--- a/readme.pptx
+++ b/readme.pptx
@@ -3336,7 +3336,6 @@
               <a:rPr kumimoji="1" lang="en-US" altLang="zh-TW" dirty="0" smtClean="0"/>
               <a:t>(%)</a:t>
             </a:r>
-            <a:endParaRPr kumimoji="1" lang="en-US" altLang="zh-TW" dirty="0" smtClean="0"/>
           </a:p>
           <a:p>
             <a:r>
@@ -3379,11 +3378,7 @@
             </a:r>
             <a:r>
               <a:rPr kumimoji="1" lang="zh-TW" altLang="en-US" dirty="0" smtClean="0"/>
-              <a:t>年齡</a:t>
-            </a:r>
-            <a:r>
-              <a:rPr kumimoji="1" lang="zh-TW" altLang="en-US" dirty="0" smtClean="0"/>
-              <a:t>在</a:t>
+              <a:t>年齡在</a:t>
             </a:r>
             <a:r>
               <a:rPr kumimoji="1" lang="en-US" altLang="zh-TW" dirty="0" smtClean="0"/>
@@ -3391,15 +3386,7 @@
             </a:r>
             <a:r>
               <a:rPr kumimoji="1" lang="zh-TW" altLang="en-US" dirty="0" smtClean="0"/>
-              <a:t>歲以</a:t>
-            </a:r>
-            <a:r>
-              <a:rPr kumimoji="1" lang="zh-TW" altLang="en-US" dirty="0" smtClean="0"/>
-              <a:t>下之</a:t>
-            </a:r>
-            <a:r>
-              <a:rPr kumimoji="1" lang="zh-TW" altLang="en-US" dirty="0" smtClean="0"/>
-              <a:t>比例</a:t>
+              <a:t>歲以下之比例</a:t>
             </a:r>
             <a:r>
               <a:rPr kumimoji="1" lang="en-US" altLang="zh-TW" dirty="0"/>
@@ -3517,15 +3504,7 @@
             </a:r>
             <a:r>
               <a:rPr kumimoji="1" lang="zh-TW" altLang="en-US" dirty="0" smtClean="0"/>
-              <a:t>該里內</a:t>
-            </a:r>
-            <a:r>
-              <a:rPr kumimoji="1" lang="zh-TW" altLang="en-US" dirty="0" smtClean="0"/>
-              <a:t>，幼兒園</a:t>
-            </a:r>
-            <a:r>
-              <a:rPr kumimoji="1" lang="zh-TW" altLang="en-US" dirty="0" smtClean="0"/>
-              <a:t>總數</a:t>
+              <a:t>該里內，幼兒園總數</a:t>
             </a:r>
             <a:endParaRPr kumimoji="1" lang="en-US" altLang="zh-TW" dirty="0"/>
           </a:p>
@@ -3544,23 +3523,7 @@
             </a:r>
             <a:r>
               <a:rPr kumimoji="1" lang="zh-TW" altLang="en-US" dirty="0" smtClean="0"/>
-              <a:t>該里內</a:t>
-            </a:r>
-            <a:r>
-              <a:rPr kumimoji="1" lang="zh-TW" altLang="en-US" dirty="0" smtClean="0"/>
-              <a:t>，</a:t>
-            </a:r>
-            <a:r>
-              <a:rPr kumimoji="1" lang="zh-TW" altLang="en-US" dirty="0" smtClean="0"/>
-              <a:t>國</a:t>
-            </a:r>
-            <a:r>
-              <a:rPr kumimoji="1" lang="zh-TW" altLang="en-US" dirty="0" smtClean="0"/>
-              <a:t>中</a:t>
-            </a:r>
-            <a:r>
-              <a:rPr kumimoji="1" lang="zh-TW" altLang="en-US" dirty="0" smtClean="0"/>
-              <a:t>總數</a:t>
+              <a:t>該里內，國中總數</a:t>
             </a:r>
             <a:endParaRPr kumimoji="1" lang="en-US" altLang="zh-TW" dirty="0"/>
           </a:p>
@@ -3579,15 +3542,7 @@
             </a:r>
             <a:r>
               <a:rPr kumimoji="1" lang="zh-TW" altLang="en-US" dirty="0" smtClean="0"/>
-              <a:t>該里內</a:t>
-            </a:r>
-            <a:r>
-              <a:rPr kumimoji="1" lang="zh-TW" altLang="en-US" dirty="0" smtClean="0"/>
-              <a:t>，高中</a:t>
-            </a:r>
-            <a:r>
-              <a:rPr kumimoji="1" lang="zh-TW" altLang="en-US" dirty="0" smtClean="0"/>
-              <a:t>總數</a:t>
+              <a:t>該里內，高中總數</a:t>
             </a:r>
             <a:endParaRPr kumimoji="1" lang="en-US" altLang="zh-TW" dirty="0" smtClean="0"/>
           </a:p>
@@ -3629,19 +3584,7 @@
             </a:r>
             <a:r>
               <a:rPr kumimoji="1" lang="zh-TW" altLang="en-US" dirty="0" smtClean="0"/>
-              <a:t>每</a:t>
-            </a:r>
-            <a:r>
-              <a:rPr kumimoji="1" lang="zh-TW" altLang="en-US" dirty="0" smtClean="0"/>
-              <a:t>人</a:t>
-            </a:r>
-            <a:r>
-              <a:rPr kumimoji="1" lang="zh-TW" altLang="en-US" dirty="0" smtClean="0"/>
-              <a:t>售電量</a:t>
-            </a:r>
-            <a:r>
-              <a:rPr kumimoji="1" lang="zh-TW" altLang="en-US" dirty="0" smtClean="0"/>
-              <a:t>的</a:t>
+              <a:t>每人售電量的</a:t>
             </a:r>
             <a:r>
               <a:rPr kumimoji="1" lang="zh-TW" altLang="en-US" dirty="0"/>
@@ -3659,7 +3602,6 @@
               <a:rPr kumimoji="1" lang="en-US" altLang="zh-TW" dirty="0" smtClean="0"/>
               <a:t>)</a:t>
             </a:r>
-            <a:endParaRPr kumimoji="1" lang="en-US" altLang="zh-TW" dirty="0" smtClean="0"/>
           </a:p>
           <a:p>
             <a:r>
@@ -3680,11 +3622,7 @@
             </a:r>
             <a:r>
               <a:rPr kumimoji="1" lang="zh-TW" altLang="en-US" dirty="0" smtClean="0"/>
-              <a:t>每人售電量</a:t>
-            </a:r>
-            <a:r>
-              <a:rPr kumimoji="1" lang="zh-TW" altLang="en-US" dirty="0" smtClean="0"/>
-              <a:t>的標準差</a:t>
+              <a:t>每人售電量的標準差</a:t>
             </a:r>
             <a:r>
               <a:rPr kumimoji="1" lang="en-US" altLang="zh-TW" dirty="0" smtClean="0"/>
@@ -3831,25 +3769,6 @@
       </p:grpSpPr>
       <p:sp>
         <p:nvSpPr>
-          <p:cNvPr id="4" name="標題 3"/>
-          <p:cNvSpPr>
-            <a:spLocks noGrp="1"/>
-          </p:cNvSpPr>
-          <p:nvPr>
-            <p:ph type="title"/>
-          </p:nvPr>
-        </p:nvSpPr>
-        <p:spPr/>
-        <p:txBody>
-          <a:bodyPr/>
-          <a:lstStyle/>
-          <a:p>
-            <a:endParaRPr kumimoji="1" lang="zh-TW" altLang="en-US"/>
-          </a:p>
-        </p:txBody>
-      </p:sp>
-      <p:sp>
-        <p:nvSpPr>
           <p:cNvPr id="5" name="內容版面配置區 4"/>
           <p:cNvSpPr>
             <a:spLocks noGrp="1"/>
@@ -3858,7 +3777,12 @@
             <p:ph idx="1"/>
           </p:nvPr>
         </p:nvSpPr>
-        <p:spPr/>
+        <p:spPr>
+          <a:xfrm>
+            <a:off x="457200" y="478506"/>
+            <a:ext cx="8229600" cy="6202168"/>
+          </a:xfrm>
+        </p:spPr>
         <p:txBody>
           <a:bodyPr>
             <a:noAutofit/>
@@ -3874,8 +3798,26 @@
                 <a:ea typeface="Heiti TC Light"/>
                 <a:cs typeface="Heiti TC Light"/>
               </a:rPr>
-              <a:t>找尋</a:t>
-            </a:r>
+              <a:t>找</a:t>
+            </a:r>
+            <a:r>
+              <a:rPr kumimoji="1" lang="zh-TW" altLang="en-US" sz="9600" dirty="0" smtClean="0">
+                <a:latin typeface="Heiti TC Light"/>
+                <a:ea typeface="Heiti TC Light"/>
+                <a:cs typeface="Heiti TC Light"/>
+              </a:rPr>
+              <a:t>尋</a:t>
+            </a:r>
+            <a:endParaRPr kumimoji="1" lang="en-US" altLang="zh-TW" sz="9600" dirty="0" smtClean="0">
+              <a:latin typeface="Heiti TC Light"/>
+              <a:ea typeface="Heiti TC Light"/>
+              <a:cs typeface="Heiti TC Light"/>
+            </a:endParaRPr>
+          </a:p>
+          <a:p>
+            <a:pPr marL="0" indent="0" algn="ctr">
+              <a:buNone/>
+            </a:pPr>
             <a:r>
               <a:rPr kumimoji="1" lang="zh-TW" altLang="en-US" sz="9600" dirty="0" smtClean="0">
                 <a:solidFill>
@@ -3887,6 +3829,19 @@
               </a:rPr>
               <a:t>有潛力節電</a:t>
             </a:r>
+            <a:endParaRPr kumimoji="1" lang="en-US" altLang="zh-TW" sz="9600" dirty="0" smtClean="0">
+              <a:solidFill>
+                <a:srgbClr val="FFFF00"/>
+              </a:solidFill>
+              <a:latin typeface="Heiti TC Light"/>
+              <a:ea typeface="Heiti TC Light"/>
+              <a:cs typeface="Heiti TC Light"/>
+            </a:endParaRPr>
+          </a:p>
+          <a:p>
+            <a:pPr marL="0" indent="0" algn="ctr">
+              <a:buNone/>
+            </a:pPr>
             <a:r>
               <a:rPr kumimoji="1" lang="zh-TW" altLang="en-US" sz="9600" dirty="0" smtClean="0">
                 <a:latin typeface="Heiti TC Light"/>
@@ -3895,6 +3850,11 @@
               </a:rPr>
               <a:t>的個體戶</a:t>
             </a:r>
+            <a:endParaRPr kumimoji="1" lang="zh-TW" altLang="en-US" sz="9600" dirty="0" smtClean="0">
+              <a:latin typeface="Heiti TC Light"/>
+              <a:ea typeface="Heiti TC Light"/>
+              <a:cs typeface="Heiti TC Light"/>
+            </a:endParaRPr>
           </a:p>
         </p:txBody>
       </p:sp>
@@ -4107,15 +4067,7 @@
                   <a:schemeClr val="bg1"/>
                 </a:solidFill>
               </a:rPr>
-              <a:t>若無法開啟</a:t>
-            </a:r>
-            <a:r>
-              <a:rPr kumimoji="1" lang="zh-TW" altLang="en-US" sz="2400" dirty="0" smtClean="0">
-                <a:solidFill>
-                  <a:schemeClr val="bg1"/>
-                </a:solidFill>
-              </a:rPr>
-              <a:t>，在網頁上按右鍵，選「全域設定」</a:t>
+              <a:t>若無法開啟，在網頁上按右鍵，選「全域設定」</a:t>
             </a:r>
             <a:r>
               <a:rPr kumimoji="1" lang="en-US" altLang="zh-TW" sz="2400" dirty="0" smtClean="0">
@@ -4661,11 +4613,7 @@
             </a:r>
             <a:r>
               <a:rPr kumimoji="1" lang="zh-TW" altLang="en-US" dirty="0" smtClean="0"/>
-              <a:t>月</a:t>
-            </a:r>
-            <a:r>
-              <a:rPr kumimoji="1" lang="zh-TW" altLang="en-US" dirty="0" smtClean="0"/>
-              <a:t>之售電量</a:t>
+              <a:t>月之售電量</a:t>
             </a:r>
             <a:endParaRPr kumimoji="1" lang="zh-TW" altLang="en-US" dirty="0"/>
           </a:p>
@@ -4791,7 +4739,19 @@
             </a:r>
             <a:r>
               <a:rPr kumimoji="1" lang="zh-TW" altLang="en-US" dirty="0" smtClean="0"/>
-              <a:t>該里內，電費被台電列管的單位家數</a:t>
+              <a:t>該</a:t>
+            </a:r>
+            <a:r>
+              <a:rPr kumimoji="1" lang="zh-TW" altLang="en-US" dirty="0" smtClean="0"/>
+              <a:t>區</a:t>
+            </a:r>
+            <a:r>
+              <a:rPr kumimoji="1" lang="zh-TW" altLang="en-US" dirty="0" smtClean="0"/>
+              <a:t>內</a:t>
+            </a:r>
+            <a:r>
+              <a:rPr kumimoji="1" lang="zh-TW" altLang="en-US" dirty="0" smtClean="0"/>
+              <a:t>，電費被台電列管的單位家數</a:t>
             </a:r>
             <a:endParaRPr kumimoji="1" lang="en-US" altLang="zh-TW" dirty="0" smtClean="0"/>
           </a:p>
@@ -4830,7 +4790,19 @@
             </a:r>
             <a:r>
               <a:rPr kumimoji="1" lang="zh-TW" altLang="en-US" dirty="0" smtClean="0"/>
-              <a:t>該里內，屬於生產性事業，其電費被列管的家數</a:t>
+              <a:t>該</a:t>
+            </a:r>
+            <a:r>
+              <a:rPr kumimoji="1" lang="zh-TW" altLang="en-US" dirty="0" smtClean="0"/>
+              <a:t>區</a:t>
+            </a:r>
+            <a:r>
+              <a:rPr kumimoji="1" lang="zh-TW" altLang="en-US" dirty="0" smtClean="0"/>
+              <a:t>內</a:t>
+            </a:r>
+            <a:r>
+              <a:rPr kumimoji="1" lang="zh-TW" altLang="en-US" dirty="0" smtClean="0"/>
+              <a:t>，屬於生產性事業，其電費被列管的家數</a:t>
             </a:r>
             <a:endParaRPr kumimoji="1" lang="en-US" altLang="zh-TW" dirty="0" smtClean="0"/>
           </a:p>
@@ -4845,7 +4817,19 @@
             </a:r>
             <a:r>
               <a:rPr kumimoji="1" lang="zh-TW" altLang="en-US" dirty="0" smtClean="0"/>
-              <a:t>該里內，非生產性事業，其電費被列管的家數</a:t>
+              <a:t>該</a:t>
+            </a:r>
+            <a:r>
+              <a:rPr kumimoji="1" lang="zh-TW" altLang="en-US" dirty="0" smtClean="0"/>
+              <a:t>區</a:t>
+            </a:r>
+            <a:r>
+              <a:rPr kumimoji="1" lang="zh-TW" altLang="en-US" dirty="0" smtClean="0"/>
+              <a:t>內</a:t>
+            </a:r>
+            <a:r>
+              <a:rPr kumimoji="1" lang="zh-TW" altLang="en-US" dirty="0" smtClean="0"/>
+              <a:t>，非生產性事業，其電費被列管的家數</a:t>
             </a:r>
             <a:endParaRPr kumimoji="1" lang="en-US" altLang="zh-TW" dirty="0" smtClean="0"/>
           </a:p>
